--- a/spring12/slidesS12/sampling.pptx
+++ b/spring12/slidesS12/sampling.pptx
@@ -2559,7 +2559,11 @@
             </a:r>
             <a:r>
               <a:rPr lang="en-US" dirty="0" smtClean="0"/>
-              <a:t> 15M.</a:t>
+              <a:t> </a:t>
+            </a:r>
+            <a:r>
+              <a:rPr lang="en-US" dirty="0" smtClean="0"/>
+              <a:t>13W.</a:t>
             </a:r>
             <a:fld id="{E0767230-41DD-416C-94DF-B14AD9991E2A}" type="slidenum">
               <a:rPr lang="en-US" smtClean="0"/>
@@ -2733,7 +2737,11 @@
             </a:r>
             <a:r>
               <a:rPr lang="en-US" dirty="0" smtClean="0"/>
-              <a:t> 15M.</a:t>
+              <a:t> </a:t>
+            </a:r>
+            <a:r>
+              <a:rPr lang="en-US" dirty="0" smtClean="0"/>
+              <a:t>13W.</a:t>
             </a:r>
             <a:fld id="{E78F4000-603A-43A9-9772-EA15786EFD2C}" type="slidenum">
               <a:rPr lang="en-US" smtClean="0"/>
@@ -2903,7 +2911,11 @@
             </a:r>
             <a:r>
               <a:rPr lang="en-US" dirty="0" smtClean="0"/>
-              <a:t> 15M.</a:t>
+              <a:t> </a:t>
+            </a:r>
+            <a:r>
+              <a:rPr lang="en-US" dirty="0" smtClean="0"/>
+              <a:t>13W.</a:t>
             </a:r>
             <a:fld id="{BA91E300-87A6-4188-BA11-76F82726AEC3}" type="slidenum">
               <a:rPr lang="en-US" smtClean="0"/>
@@ -2925,8 +2937,8 @@
 </file>
 
 <file path=ppt/slideLayouts/slideLayout4.xml><?xml version="1.0" encoding="utf-8"?>
-<p:sldLayout xmlns:a="http://schemas.openxmlformats.org/drawingml/2006/main" xmlns:r="http://schemas.openxmlformats.org/officeDocument/2006/relationships" xmlns:p="http://schemas.openxmlformats.org/presentationml/2006/main" type="twoObj" preserve="1">
-  <p:cSld name="Two Content">
+<p:sldLayout xmlns:a="http://schemas.openxmlformats.org/drawingml/2006/main" xmlns:r="http://schemas.openxmlformats.org/officeDocument/2006/relationships" xmlns:p="http://schemas.openxmlformats.org/presentationml/2006/main" type="txAndObj" preserve="1">
+  <p:cSld name="Title, Text, and Content">
     <p:spTree>
       <p:nvGrpSpPr>
         <p:cNvPr id="1" name=""/>
@@ -2951,7 +2963,12 @@
             <p:ph type="title"/>
           </p:nvPr>
         </p:nvSpPr>
-        <p:spPr/>
+        <p:spPr>
+          <a:xfrm>
+            <a:off x="1295400" y="228600"/>
+            <a:ext cx="6553200" cy="838200"/>
+          </a:xfrm>
+        </p:spPr>
         <p:txBody>
           <a:bodyPr/>
           <a:lstStyle/>
@@ -2966,12 +2983,12 @@
       </p:sp>
       <p:sp>
         <p:nvSpPr>
-          <p:cNvPr id="3" name="Content Placeholder 2"/>
+          <p:cNvPr id="3" name="Text Placeholder 2"/>
           <p:cNvSpPr>
             <a:spLocks noGrp="1"/>
           </p:cNvSpPr>
           <p:nvPr>
-            <p:ph sz="half" idx="1"/>
+            <p:ph type="body" sz="half" idx="1"/>
           </p:nvPr>
         </p:nvSpPr>
         <p:spPr>
@@ -2982,35 +2999,7 @@
         </p:spPr>
         <p:txBody>
           <a:bodyPr/>
-          <a:lstStyle>
-            <a:lvl1pPr>
-              <a:defRPr sz="2800"/>
-            </a:lvl1pPr>
-            <a:lvl2pPr>
-              <a:defRPr sz="2400"/>
-            </a:lvl2pPr>
-            <a:lvl3pPr>
-              <a:defRPr sz="2000"/>
-            </a:lvl3pPr>
-            <a:lvl4pPr>
-              <a:defRPr sz="1800"/>
-            </a:lvl4pPr>
-            <a:lvl5pPr>
-              <a:defRPr sz="1800"/>
-            </a:lvl5pPr>
-            <a:lvl6pPr>
-              <a:defRPr sz="1800"/>
-            </a:lvl6pPr>
-            <a:lvl7pPr>
-              <a:defRPr sz="1800"/>
-            </a:lvl7pPr>
-            <a:lvl8pPr>
-              <a:defRPr sz="1800"/>
-            </a:lvl8pPr>
-            <a:lvl9pPr>
-              <a:defRPr sz="1800"/>
-            </a:lvl9pPr>
-          </a:lstStyle>
+          <a:lstStyle/>
           <a:p>
             <a:pPr lvl="0"/>
             <a:r>
@@ -3067,35 +3056,7 @@
         </p:spPr>
         <p:txBody>
           <a:bodyPr/>
-          <a:lstStyle>
-            <a:lvl1pPr>
-              <a:defRPr sz="2800"/>
-            </a:lvl1pPr>
-            <a:lvl2pPr>
-              <a:defRPr sz="2400"/>
-            </a:lvl2pPr>
-            <a:lvl3pPr>
-              <a:defRPr sz="2000"/>
-            </a:lvl3pPr>
-            <a:lvl4pPr>
-              <a:defRPr sz="1800"/>
-            </a:lvl4pPr>
-            <a:lvl5pPr>
-              <a:defRPr sz="1800"/>
-            </a:lvl5pPr>
-            <a:lvl6pPr>
-              <a:defRPr sz="1800"/>
-            </a:lvl6pPr>
-            <a:lvl7pPr>
-              <a:defRPr sz="1800"/>
-            </a:lvl7pPr>
-            <a:lvl8pPr>
-              <a:defRPr sz="1800"/>
-            </a:lvl8pPr>
-            <a:lvl9pPr>
-              <a:defRPr sz="1800"/>
-            </a:lvl9pPr>
-          </a:lstStyle>
+          <a:lstStyle/>
           <a:p>
             <a:pPr lvl="0"/>
             <a:r>
@@ -3162,9 +3123,13 @@
             </a:r>
             <a:r>
               <a:rPr lang="en-US" dirty="0" smtClean="0"/>
-              <a:t> 15M.</a:t>
-            </a:r>
-            <a:fld id="{15742F82-D88E-406A-A73F-71903E81FC0B}" type="slidenum">
+              <a:t> </a:t>
+            </a:r>
+            <a:r>
+              <a:rPr lang="en-US" dirty="0" smtClean="0"/>
+              <a:t>13W.</a:t>
+            </a:r>
+            <a:fld id="{47F8C8D3-6BDF-4148-BF9D-D4BC3120C380}" type="slidenum">
               <a:rPr lang="en-US" smtClean="0"/>
               <a:pPr>
                 <a:defRPr/>
@@ -3256,7 +3221,11 @@
             </a:r>
             <a:r>
               <a:rPr lang="en-US" dirty="0" smtClean="0"/>
-              <a:t> 15M.</a:t>
+              <a:t> </a:t>
+            </a:r>
+            <a:r>
+              <a:rPr lang="en-US" dirty="0" smtClean="0"/>
+              <a:t>13W.</a:t>
             </a:r>
             <a:fld id="{D9E7CF9A-E10E-4B43-BCF9-6C96C6375151}" type="slidenum">
               <a:rPr lang="en-US" smtClean="0"/>
@@ -3322,217 +3291,13 @@
             </a:r>
             <a:r>
               <a:rPr lang="en-US" dirty="0" smtClean="0"/>
-              <a:t> 15M.</a:t>
+              <a:t> </a:t>
+            </a:r>
+            <a:r>
+              <a:rPr lang="en-US" dirty="0" smtClean="0"/>
+              <a:t>13W.</a:t>
             </a:r>
             <a:fld id="{8B2956E7-9AEE-4C6B-8C9B-08350367CE49}" type="slidenum">
-              <a:rPr lang="en-US" smtClean="0"/>
-              <a:pPr>
-                <a:defRPr/>
-              </a:pPr>
-              <a:t>‹#›</a:t>
-            </a:fld>
-            <a:endParaRPr lang="en-US" dirty="0"/>
-          </a:p>
-        </p:txBody>
-      </p:sp>
-    </p:spTree>
-  </p:cSld>
-  <p:clrMapOvr>
-    <a:masterClrMapping/>
-  </p:clrMapOvr>
-</p:sldLayout>
-</file>
-
-<file path=ppt/slideLayouts/slideLayout7.xml><?xml version="1.0" encoding="utf-8"?>
-<p:sldLayout xmlns:a="http://schemas.openxmlformats.org/drawingml/2006/main" xmlns:r="http://schemas.openxmlformats.org/officeDocument/2006/relationships" xmlns:p="http://schemas.openxmlformats.org/presentationml/2006/main" type="txAndObj" preserve="1">
-  <p:cSld name="Title, Text, and Content">
-    <p:spTree>
-      <p:nvGrpSpPr>
-        <p:cNvPr id="1" name=""/>
-        <p:cNvGrpSpPr/>
-        <p:nvPr/>
-      </p:nvGrpSpPr>
-      <p:grpSpPr>
-        <a:xfrm>
-          <a:off x="0" y="0"/>
-          <a:ext cx="0" cy="0"/>
-          <a:chOff x="0" y="0"/>
-          <a:chExt cx="0" cy="0"/>
-        </a:xfrm>
-      </p:grpSpPr>
-      <p:sp>
-        <p:nvSpPr>
-          <p:cNvPr id="2" name="Title 1"/>
-          <p:cNvSpPr>
-            <a:spLocks noGrp="1"/>
-          </p:cNvSpPr>
-          <p:nvPr>
-            <p:ph type="title"/>
-          </p:nvPr>
-        </p:nvSpPr>
-        <p:spPr>
-          <a:xfrm>
-            <a:off x="1295400" y="228600"/>
-            <a:ext cx="6553200" cy="838200"/>
-          </a:xfrm>
-        </p:spPr>
-        <p:txBody>
-          <a:bodyPr/>
-          <a:lstStyle/>
-          <a:p>
-            <a:r>
-              <a:rPr lang="en-US" smtClean="0"/>
-              <a:t>Click to edit Master title style</a:t>
-            </a:r>
-            <a:endParaRPr lang="en-US"/>
-          </a:p>
-        </p:txBody>
-      </p:sp>
-      <p:sp>
-        <p:nvSpPr>
-          <p:cNvPr id="3" name="Text Placeholder 2"/>
-          <p:cNvSpPr>
-            <a:spLocks noGrp="1"/>
-          </p:cNvSpPr>
-          <p:nvPr>
-            <p:ph type="body" sz="half" idx="1"/>
-          </p:nvPr>
-        </p:nvSpPr>
-        <p:spPr>
-          <a:xfrm>
-            <a:off x="685800" y="1981200"/>
-            <a:ext cx="3810000" cy="4114800"/>
-          </a:xfrm>
-        </p:spPr>
-        <p:txBody>
-          <a:bodyPr/>
-          <a:lstStyle/>
-          <a:p>
-            <a:pPr lvl="0"/>
-            <a:r>
-              <a:rPr lang="en-US" smtClean="0"/>
-              <a:t>Click to edit Master text styles</a:t>
-            </a:r>
-          </a:p>
-          <a:p>
-            <a:pPr lvl="1"/>
-            <a:r>
-              <a:rPr lang="en-US" smtClean="0"/>
-              <a:t>Second level</a:t>
-            </a:r>
-          </a:p>
-          <a:p>
-            <a:pPr lvl="2"/>
-            <a:r>
-              <a:rPr lang="en-US" smtClean="0"/>
-              <a:t>Third level</a:t>
-            </a:r>
-          </a:p>
-          <a:p>
-            <a:pPr lvl="3"/>
-            <a:r>
-              <a:rPr lang="en-US" smtClean="0"/>
-              <a:t>Fourth level</a:t>
-            </a:r>
-          </a:p>
-          <a:p>
-            <a:pPr lvl="4"/>
-            <a:r>
-              <a:rPr lang="en-US" smtClean="0"/>
-              <a:t>Fifth level</a:t>
-            </a:r>
-            <a:endParaRPr lang="en-US"/>
-          </a:p>
-        </p:txBody>
-      </p:sp>
-      <p:sp>
-        <p:nvSpPr>
-          <p:cNvPr id="4" name="Content Placeholder 3"/>
-          <p:cNvSpPr>
-            <a:spLocks noGrp="1"/>
-          </p:cNvSpPr>
-          <p:nvPr>
-            <p:ph sz="half" idx="2"/>
-          </p:nvPr>
-        </p:nvSpPr>
-        <p:spPr>
-          <a:xfrm>
-            <a:off x="4648200" y="1981200"/>
-            <a:ext cx="3810000" cy="4114800"/>
-          </a:xfrm>
-        </p:spPr>
-        <p:txBody>
-          <a:bodyPr/>
-          <a:lstStyle/>
-          <a:p>
-            <a:pPr lvl="0"/>
-            <a:r>
-              <a:rPr lang="en-US" smtClean="0"/>
-              <a:t>Click to edit Master text styles</a:t>
-            </a:r>
-          </a:p>
-          <a:p>
-            <a:pPr lvl="1"/>
-            <a:r>
-              <a:rPr lang="en-US" smtClean="0"/>
-              <a:t>Second level</a:t>
-            </a:r>
-          </a:p>
-          <a:p>
-            <a:pPr lvl="2"/>
-            <a:r>
-              <a:rPr lang="en-US" smtClean="0"/>
-              <a:t>Third level</a:t>
-            </a:r>
-          </a:p>
-          <a:p>
-            <a:pPr lvl="3"/>
-            <a:r>
-              <a:rPr lang="en-US" smtClean="0"/>
-              <a:t>Fourth level</a:t>
-            </a:r>
-          </a:p>
-          <a:p>
-            <a:pPr lvl="4"/>
-            <a:r>
-              <a:rPr lang="en-US" smtClean="0"/>
-              <a:t>Fifth level</a:t>
-            </a:r>
-            <a:endParaRPr lang="en-US"/>
-          </a:p>
-        </p:txBody>
-      </p:sp>
-      <p:sp>
-        <p:nvSpPr>
-          <p:cNvPr id="5" name="Rectangle 4"/>
-          <p:cNvSpPr>
-            <a:spLocks noGrp="1" noChangeArrowheads="1"/>
-          </p:cNvSpPr>
-          <p:nvPr>
-            <p:ph type="sldNum" sz="quarter" idx="10"/>
-          </p:nvPr>
-        </p:nvSpPr>
-        <p:spPr/>
-        <p:txBody>
-          <a:bodyPr/>
-          <a:lstStyle>
-            <a:lvl1pPr>
-              <a:defRPr/>
-            </a:lvl1pPr>
-          </a:lstStyle>
-          <a:p>
-            <a:pPr>
-              <a:defRPr/>
-            </a:pPr>
-            <a:r>
-              <a:rPr lang="en-US" dirty="0" err="1"/>
-              <a:t>lec</a:t>
-            </a:r>
-            <a:r>
-              <a:rPr lang="en-US" dirty="0" smtClean="0"/>
-              <a:t> 15M.</a:t>
-            </a:r>
-            <a:fld id="{47F8C8D3-6BDF-4148-BF9D-D4BC3120C380}" type="slidenum">
               <a:rPr lang="en-US" smtClean="0"/>
               <a:pPr>
                 <a:defRPr/>
@@ -3738,11 +3503,7 @@
             </a:r>
             <a:r>
               <a:rPr lang="en-US" dirty="0" smtClean="0"/>
-              <a:t> </a:t>
-            </a:r>
-            <a:r>
-              <a:rPr lang="en-US" dirty="0" smtClean="0"/>
-              <a:t>13W.</a:t>
+              <a:t> 13W.</a:t>
             </a:r>
             <a:fld id="{F77891F4-FB37-431E-8CE5-4ACAD66CCEF9}" type="slidenum">
               <a:rPr lang="en-US" smtClean="0"/>
@@ -3764,7 +3525,7 @@
           <p:nvPr/>
         </p:nvPicPr>
         <p:blipFill>
-          <a:blip r:embed="rId9" cstate="print"/>
+          <a:blip r:embed="rId8" cstate="print"/>
           <a:srcRect/>
           <a:stretch>
             <a:fillRect/>
@@ -3838,22 +3599,7 @@
                 <a:uFillTx/>
                 <a:latin typeface="Comic Sans MS" pitchFamily="66" charset="0"/>
               </a:rPr>
-              <a:t>Albert R Meyer,           </a:t>
-            </a:r>
-            <a:r>
-              <a:rPr kumimoji="0" lang="en-US" sz="1200" b="0" i="0" u="none" strike="noStrike" kern="1200" cap="none" spc="0" normalizeH="0" baseline="0" noProof="0" dirty="0" smtClean="0">
-                <a:ln>
-                  <a:noFill/>
-                </a:ln>
-                <a:solidFill>
-                  <a:schemeClr val="tx1"/>
-                </a:solidFill>
-                <a:effectLst/>
-                <a:uLnTx/>
-                <a:uFillTx/>
-                <a:latin typeface="Comic Sans MS" pitchFamily="66" charset="0"/>
-              </a:rPr>
-              <a:t> May 9, 2012</a:t>
+              <a:t>Albert R Meyer,            May 9, 2012</a:t>
             </a:r>
             <a:endParaRPr kumimoji="0" lang="en-US" sz="1200" b="0" i="0" u="none" strike="noStrike" kern="1200" cap="none" spc="0" normalizeH="0" baseline="0" noProof="0" dirty="0">
               <a:ln>
@@ -3879,7 +3625,7 @@
           <p:nvPr/>
         </p:nvPicPr>
         <p:blipFill>
-          <a:blip r:embed="rId10" cstate="print"/>
+          <a:blip r:embed="rId9" cstate="print"/>
           <a:stretch>
             <a:fillRect/>
           </a:stretch>
@@ -3901,10 +3647,9 @@
     <p:sldLayoutId id="2147483878" r:id="rId1"/>
     <p:sldLayoutId id="2147483879" r:id="rId2"/>
     <p:sldLayoutId id="2147483880" r:id="rId3"/>
-    <p:sldLayoutId id="2147483881" r:id="rId4"/>
+    <p:sldLayoutId id="2147483889" r:id="rId4"/>
     <p:sldLayoutId id="2147483883" r:id="rId5"/>
     <p:sldLayoutId id="2147483884" r:id="rId6"/>
-    <p:sldLayoutId id="2147483889" r:id="rId7"/>
   </p:sldLayoutIdLst>
   <p:timing>
     <p:tnLst>
@@ -4321,7 +4066,11 @@
             </a:r>
             <a:r>
               <a:rPr lang="en-US" dirty="0" smtClean="0"/>
-              <a:t> 15M.</a:t>
+              <a:t> </a:t>
+            </a:r>
+            <a:r>
+              <a:rPr lang="en-US" dirty="0" smtClean="0"/>
+              <a:t>13W.</a:t>
             </a:r>
             <a:fld id="{4D4FE4C5-9DCA-4C40-8A94-526407169002}" type="slidenum">
               <a:rPr lang="en-US" smtClean="0"/>
@@ -4534,7 +4283,7 @@
           <a:graphicData uri="http://schemas.openxmlformats.org/presentationml/2006/ole">
             <mc:AlternateContent xmlns:mc="http://schemas.openxmlformats.org/markup-compatibility/2006">
               <mc:Choice xmlns:v="urn:schemas-microsoft-com:vml" Requires="v">
-                <p:oleObj spid="_x0000_s493601" name="Equation" r:id="rId4" imgW="2032000" imgH="596900" progId="Equation.DSMT4">
+                <p:oleObj spid="_x0000_s493605" name="Equation" r:id="rId4" imgW="2032000" imgH="596900" progId="Equation.DSMT4">
                   <p:embed/>
                 </p:oleObj>
               </mc:Choice>
@@ -4648,7 +4397,11 @@
             </a:r>
             <a:r>
               <a:rPr lang="en-US" dirty="0" smtClean="0"/>
-              <a:t> 15M.</a:t>
+              <a:t> </a:t>
+            </a:r>
+            <a:r>
+              <a:rPr lang="en-US" dirty="0" smtClean="0"/>
+              <a:t>13W.</a:t>
             </a:r>
             <a:fld id="{AB032E80-4924-4C32-A61E-EE294C645BF5}" type="slidenum">
               <a:rPr lang="en-US" smtClean="0"/>
@@ -4677,7 +4430,7 @@
           <a:graphicData uri="http://schemas.openxmlformats.org/presentationml/2006/ole">
             <mc:AlternateContent xmlns:mc="http://schemas.openxmlformats.org/markup-compatibility/2006">
               <mc:Choice xmlns:v="urn:schemas-microsoft-com:vml" Requires="v">
-                <p:oleObj spid="_x0000_s493602" name="Equation" r:id="rId6" imgW="1168400" imgH="596900" progId="Equation.DSMT4">
+                <p:oleObj spid="_x0000_s493606" name="Equation" r:id="rId6" imgW="1168400" imgH="596900" progId="Equation.DSMT4">
                   <p:embed/>
                 </p:oleObj>
               </mc:Choice>
@@ -4746,7 +4499,7 @@
           <a:graphicData uri="http://schemas.openxmlformats.org/presentationml/2006/ole">
             <mc:AlternateContent xmlns:mc="http://schemas.openxmlformats.org/markup-compatibility/2006">
               <mc:Choice xmlns:v="urn:schemas-microsoft-com:vml" Requires="v">
-                <p:oleObj spid="_x0000_s493603" name="Equation" r:id="rId8" imgW="1663700" imgH="355600" progId="Equation.DSMT4">
+                <p:oleObj spid="_x0000_s493607" name="Equation" r:id="rId8" imgW="1663700" imgH="355600" progId="Equation.DSMT4">
                   <p:embed/>
                 </p:oleObj>
               </mc:Choice>
@@ -4934,7 +4687,11 @@
             </a:r>
             <a:r>
               <a:rPr lang="en-US" dirty="0" smtClean="0"/>
-              <a:t> 15M.</a:t>
+              <a:t> </a:t>
+            </a:r>
+            <a:r>
+              <a:rPr lang="en-US" dirty="0" smtClean="0"/>
+              <a:t>13W.</a:t>
             </a:r>
             <a:fld id="{96B5C7C7-3FC0-4B55-9934-A080551106BF}" type="slidenum">
               <a:rPr lang="en-US" smtClean="0"/>
@@ -5893,7 +5650,11 @@
             </a:r>
             <a:r>
               <a:rPr lang="en-US" dirty="0" smtClean="0"/>
-              <a:t> 15M.</a:t>
+              <a:t> </a:t>
+            </a:r>
+            <a:r>
+              <a:rPr lang="en-US" dirty="0" smtClean="0"/>
+              <a:t>13W.</a:t>
             </a:r>
             <a:fld id="{B6100CB1-975D-41F5-9A6C-8F34E133D00A}" type="slidenum">
               <a:rPr lang="en-US" smtClean="0"/>
@@ -6274,7 +6035,11 @@
             </a:r>
             <a:r>
               <a:rPr lang="en-US" dirty="0" smtClean="0"/>
-              <a:t> 15M.</a:t>
+              <a:t> </a:t>
+            </a:r>
+            <a:r>
+              <a:rPr lang="en-US" dirty="0" smtClean="0"/>
+              <a:t>13W.</a:t>
             </a:r>
             <a:fld id="{4A7F8015-3123-4EEE-BF99-E293B8DB1805}" type="slidenum">
               <a:rPr lang="en-US" smtClean="0"/>
@@ -6848,7 +6613,11 @@
             </a:r>
             <a:r>
               <a:rPr lang="en-US" dirty="0" smtClean="0"/>
-              <a:t> 15M.</a:t>
+              <a:t> </a:t>
+            </a:r>
+            <a:r>
+              <a:rPr lang="en-US" dirty="0" smtClean="0"/>
+              <a:t>13W.</a:t>
             </a:r>
             <a:fld id="{8372F5CC-0D0C-42AC-A06F-FCD924AC2FB1}" type="slidenum">
               <a:rPr lang="en-US" smtClean="0"/>
@@ -7096,7 +6865,11 @@
             </a:r>
             <a:r>
               <a:rPr lang="en-US" dirty="0" smtClean="0"/>
-              <a:t> 15M.</a:t>
+              <a:t> </a:t>
+            </a:r>
+            <a:r>
+              <a:rPr lang="en-US" dirty="0" smtClean="0"/>
+              <a:t>13W.</a:t>
             </a:r>
             <a:fld id="{8372F5CC-0D0C-42AC-A06F-FCD924AC2FB1}" type="slidenum">
               <a:rPr lang="en-US" smtClean="0"/>
@@ -7360,7 +7133,11 @@
             </a:r>
             <a:r>
               <a:rPr lang="en-US" dirty="0" smtClean="0"/>
-              <a:t> 15M.</a:t>
+              <a:t> </a:t>
+            </a:r>
+            <a:r>
+              <a:rPr lang="en-US" dirty="0" smtClean="0"/>
+              <a:t>13W.</a:t>
             </a:r>
             <a:fld id="{FE75FCEF-2C00-453D-8F19-57E1BCE16A7F}" type="slidenum">
               <a:rPr lang="en-US" smtClean="0"/>
@@ -8031,7 +7808,11 @@
             </a:r>
             <a:r>
               <a:rPr lang="en-US" dirty="0" smtClean="0"/>
-              <a:t> 15M.</a:t>
+              <a:t> </a:t>
+            </a:r>
+            <a:r>
+              <a:rPr lang="en-US" dirty="0" smtClean="0"/>
+              <a:t>13W.</a:t>
             </a:r>
             <a:fld id="{E78F4000-603A-43A9-9772-EA15786EFD2C}" type="slidenum">
               <a:rPr lang="en-US" smtClean="0"/>
@@ -8688,7 +8469,7 @@
           <a:graphicData uri="http://schemas.openxmlformats.org/presentationml/2006/ole">
             <mc:AlternateContent xmlns:mc="http://schemas.openxmlformats.org/markup-compatibility/2006">
               <mc:Choice xmlns:v="urn:schemas-microsoft-com:vml" Requires="v">
-                <p:oleObj spid="_x0000_s489525" name="Equation" r:id="rId5" imgW="1816100" imgH="330200" progId="Equation.DSMT4">
+                <p:oleObj spid="_x0000_s489528" name="Equation" r:id="rId5" imgW="1816100" imgH="330200" progId="Equation.DSMT4">
                   <p:embed/>
                 </p:oleObj>
               </mc:Choice>
@@ -8758,7 +8539,7 @@
           <a:graphicData uri="http://schemas.openxmlformats.org/presentationml/2006/ole">
             <mc:AlternateContent xmlns:mc="http://schemas.openxmlformats.org/markup-compatibility/2006">
               <mc:Choice xmlns:v="urn:schemas-microsoft-com:vml" Requires="v">
-                <p:oleObj spid="_x0000_s489526" name="Equation" r:id="rId7" imgW="1714500" imgH="596900" progId="Equation.DSMT4">
+                <p:oleObj spid="_x0000_s489529" name="Equation" r:id="rId7" imgW="1714500" imgH="596900" progId="Equation.DSMT4">
                   <p:embed/>
                 </p:oleObj>
               </mc:Choice>
@@ -8841,7 +8622,11 @@
             </a:r>
             <a:r>
               <a:rPr lang="en-US" dirty="0" smtClean="0"/>
-              <a:t> 15M.</a:t>
+              <a:t> </a:t>
+            </a:r>
+            <a:r>
+              <a:rPr lang="en-US" dirty="0" smtClean="0"/>
+              <a:t>13W.</a:t>
             </a:r>
             <a:fld id="{46D21BB0-6D03-4034-A4DE-775A83495C78}" type="slidenum">
               <a:rPr lang="en-US" smtClean="0"/>
@@ -9297,7 +9082,11 @@
             </a:r>
             <a:r>
               <a:rPr lang="en-US" dirty="0" smtClean="0"/>
-              <a:t> 15M.</a:t>
+              <a:t> </a:t>
+            </a:r>
+            <a:r>
+              <a:rPr lang="en-US" dirty="0" smtClean="0"/>
+              <a:t>13W.</a:t>
             </a:r>
             <a:fld id="{C54485E2-983F-4808-AAAD-1595DDE4A774}" type="slidenum">
               <a:rPr lang="en-US" smtClean="0"/>
@@ -9895,7 +9684,11 @@
             </a:r>
             <a:r>
               <a:rPr lang="en-US" dirty="0" smtClean="0"/>
-              <a:t> 15M.</a:t>
+              <a:t> </a:t>
+            </a:r>
+            <a:r>
+              <a:rPr lang="en-US" dirty="0" smtClean="0"/>
+              <a:t>13W.</a:t>
             </a:r>
             <a:fld id="{46D21BB0-6D03-4034-A4DE-775A83495C78}" type="slidenum">
               <a:rPr lang="en-US" smtClean="0"/>
@@ -10082,7 +9875,11 @@
             </a:r>
             <a:r>
               <a:rPr lang="en-US" dirty="0" smtClean="0"/>
-              <a:t> 15M.</a:t>
+              <a:t> </a:t>
+            </a:r>
+            <a:r>
+              <a:rPr lang="en-US" dirty="0" smtClean="0"/>
+              <a:t>13W.</a:t>
             </a:r>
             <a:fld id="{46D21BB0-6D03-4034-A4DE-775A83495C78}" type="slidenum">
               <a:rPr lang="en-US" smtClean="0"/>
@@ -10528,7 +10325,11 @@
             </a:r>
             <a:r>
               <a:rPr lang="en-US" dirty="0" smtClean="0"/>
-              <a:t> 15M.</a:t>
+              <a:t> </a:t>
+            </a:r>
+            <a:r>
+              <a:rPr lang="en-US" dirty="0" smtClean="0"/>
+              <a:t>13W.</a:t>
             </a:r>
             <a:fld id="{46D21BB0-6D03-4034-A4DE-775A83495C78}" type="slidenum">
               <a:rPr lang="en-US" smtClean="0"/>
@@ -10809,7 +10610,11 @@
             </a:r>
             <a:r>
               <a:rPr lang="en-US" dirty="0" smtClean="0"/>
-              <a:t> 15M.</a:t>
+              <a:t> </a:t>
+            </a:r>
+            <a:r>
+              <a:rPr lang="en-US" dirty="0" smtClean="0"/>
+              <a:t>13W.</a:t>
             </a:r>
             <a:fld id="{23578D71-BE5D-4BBF-9B59-FB73E190AF0C}" type="slidenum">
               <a:rPr lang="en-US" smtClean="0"/>
@@ -11521,7 +11326,7 @@
           <a:graphicData uri="http://schemas.openxmlformats.org/presentationml/2006/ole">
             <mc:AlternateContent xmlns:mc="http://schemas.openxmlformats.org/markup-compatibility/2006">
               <mc:Choice xmlns:v="urn:schemas-microsoft-com:vml" Requires="v">
-                <p:oleObj spid="_x0000_s426094" name="Equation" r:id="rId4" imgW="1854200" imgH="596900" progId="Equation.DSMT4">
+                <p:oleObj spid="_x0000_s426098" name="Equation" r:id="rId4" imgW="1854200" imgH="596900" progId="Equation.DSMT4">
                   <p:embed/>
                 </p:oleObj>
               </mc:Choice>
@@ -11597,7 +11402,7 @@
           <a:graphicData uri="http://schemas.openxmlformats.org/presentationml/2006/ole">
             <mc:AlternateContent xmlns:mc="http://schemas.openxmlformats.org/markup-compatibility/2006">
               <mc:Choice xmlns:v="urn:schemas-microsoft-com:vml" Requires="v">
-                <p:oleObj spid="_x0000_s426095" name="Equation" r:id="rId6" imgW="2032000" imgH="596900" progId="Equation.DSMT4">
+                <p:oleObj spid="_x0000_s426099" name="Equation" r:id="rId6" imgW="2032000" imgH="596900" progId="Equation.DSMT4">
                   <p:embed/>
                 </p:oleObj>
               </mc:Choice>
@@ -11691,7 +11496,7 @@
           <a:graphicData uri="http://schemas.openxmlformats.org/presentationml/2006/ole">
             <mc:AlternateContent xmlns:mc="http://schemas.openxmlformats.org/markup-compatibility/2006">
               <mc:Choice xmlns:v="urn:schemas-microsoft-com:vml" Requires="v">
-                <p:oleObj spid="_x0000_s426096" name="Equation" r:id="rId8" imgW="1879600" imgH="215900" progId="Equation.DSMT4">
+                <p:oleObj spid="_x0000_s426100" name="Equation" r:id="rId8" imgW="1879600" imgH="215900" progId="Equation.DSMT4">
                   <p:embed/>
                 </p:oleObj>
               </mc:Choice>
@@ -11774,7 +11579,11 @@
             </a:r>
             <a:r>
               <a:rPr lang="en-US" dirty="0" smtClean="0"/>
-              <a:t> 15M.</a:t>
+              <a:t> </a:t>
+            </a:r>
+            <a:r>
+              <a:rPr lang="en-US" dirty="0" smtClean="0"/>
+              <a:t>13W.</a:t>
             </a:r>
             <a:fld id="{AB032E80-4924-4C32-A61E-EE294C645BF5}" type="slidenum">
               <a:rPr lang="en-US" smtClean="0"/>
@@ -12205,7 +12014,11 @@
             </a:r>
             <a:r>
               <a:rPr lang="en-US" dirty="0" smtClean="0"/>
-              <a:t> 15M.</a:t>
+              <a:t> </a:t>
+            </a:r>
+            <a:r>
+              <a:rPr lang="en-US" dirty="0" smtClean="0"/>
+              <a:t>13W.</a:t>
             </a:r>
             <a:fld id="{AB032E80-4924-4C32-A61E-EE294C645BF5}" type="slidenum">
               <a:rPr lang="en-US" smtClean="0"/>
@@ -12330,7 +12143,7 @@
           <a:graphicData uri="http://schemas.openxmlformats.org/presentationml/2006/ole">
             <mc:AlternateContent xmlns:mc="http://schemas.openxmlformats.org/markup-compatibility/2006">
               <mc:Choice xmlns:v="urn:schemas-microsoft-com:vml" Requires="v">
-                <p:oleObj spid="_x0000_s438397" name="Equation" r:id="rId4" imgW="2057400" imgH="596900" progId="Equation.DSMT4">
+                <p:oleObj spid="_x0000_s438401" name="Equation" r:id="rId4" imgW="2057400" imgH="596900" progId="Equation.DSMT4">
                   <p:embed/>
                 </p:oleObj>
               </mc:Choice>
@@ -12406,7 +12219,7 @@
           <a:graphicData uri="http://schemas.openxmlformats.org/presentationml/2006/ole">
             <mc:AlternateContent xmlns:mc="http://schemas.openxmlformats.org/markup-compatibility/2006">
               <mc:Choice xmlns:v="urn:schemas-microsoft-com:vml" Requires="v">
-                <p:oleObj spid="_x0000_s438398" name="Equation" r:id="rId6" imgW="889000" imgH="469900" progId="Equation.DSMT4">
+                <p:oleObj spid="_x0000_s438402" name="Equation" r:id="rId6" imgW="889000" imgH="469900" progId="Equation.DSMT4">
                   <p:embed/>
                 </p:oleObj>
               </mc:Choice>
@@ -12476,7 +12289,7 @@
           <a:graphicData uri="http://schemas.openxmlformats.org/presentationml/2006/ole">
             <mc:AlternateContent xmlns:mc="http://schemas.openxmlformats.org/markup-compatibility/2006">
               <mc:Choice xmlns:v="urn:schemas-microsoft-com:vml" Requires="v">
-                <p:oleObj spid="_x0000_s438399" name="Equation" r:id="rId8" imgW="1879600" imgH="215900" progId="Equation.DSMT4">
+                <p:oleObj spid="_x0000_s438403" name="Equation" r:id="rId8" imgW="1879600" imgH="215900" progId="Equation.DSMT4">
                   <p:embed/>
                 </p:oleObj>
               </mc:Choice>

--- a/spring12/slidesS12/sampling.pptx
+++ b/spring12/slidesS12/sampling.pptx
@@ -2559,11 +2559,7 @@
             </a:r>
             <a:r>
               <a:rPr lang="en-US" dirty="0" smtClean="0"/>
-              <a:t> </a:t>
-            </a:r>
-            <a:r>
-              <a:rPr lang="en-US" dirty="0" smtClean="0"/>
-              <a:t>13W.</a:t>
+              <a:t> 13W.</a:t>
             </a:r>
             <a:fld id="{E0767230-41DD-416C-94DF-B14AD9991E2A}" type="slidenum">
               <a:rPr lang="en-US" smtClean="0"/>
@@ -2737,11 +2733,7 @@
             </a:r>
             <a:r>
               <a:rPr lang="en-US" dirty="0" smtClean="0"/>
-              <a:t> </a:t>
-            </a:r>
-            <a:r>
-              <a:rPr lang="en-US" dirty="0" smtClean="0"/>
-              <a:t>13W.</a:t>
+              <a:t> 13W.</a:t>
             </a:r>
             <a:fld id="{E78F4000-603A-43A9-9772-EA15786EFD2C}" type="slidenum">
               <a:rPr lang="en-US" smtClean="0"/>
@@ -2911,11 +2903,7 @@
             </a:r>
             <a:r>
               <a:rPr lang="en-US" dirty="0" smtClean="0"/>
-              <a:t> </a:t>
-            </a:r>
-            <a:r>
-              <a:rPr lang="en-US" dirty="0" smtClean="0"/>
-              <a:t>13W.</a:t>
+              <a:t> 13W.</a:t>
             </a:r>
             <a:fld id="{BA91E300-87A6-4188-BA11-76F82726AEC3}" type="slidenum">
               <a:rPr lang="en-US" smtClean="0"/>
@@ -3123,11 +3111,7 @@
             </a:r>
             <a:r>
               <a:rPr lang="en-US" dirty="0" smtClean="0"/>
-              <a:t> </a:t>
-            </a:r>
-            <a:r>
-              <a:rPr lang="en-US" dirty="0" smtClean="0"/>
-              <a:t>13W.</a:t>
+              <a:t> 13W.</a:t>
             </a:r>
             <a:fld id="{47F8C8D3-6BDF-4148-BF9D-D4BC3120C380}" type="slidenum">
               <a:rPr lang="en-US" smtClean="0"/>
@@ -3221,11 +3205,7 @@
             </a:r>
             <a:r>
               <a:rPr lang="en-US" dirty="0" smtClean="0"/>
-              <a:t> </a:t>
-            </a:r>
-            <a:r>
-              <a:rPr lang="en-US" dirty="0" smtClean="0"/>
-              <a:t>13W.</a:t>
+              <a:t> 13W.</a:t>
             </a:r>
             <a:fld id="{D9E7CF9A-E10E-4B43-BCF9-6C96C6375151}" type="slidenum">
               <a:rPr lang="en-US" smtClean="0"/>
@@ -3291,11 +3271,7 @@
             </a:r>
             <a:r>
               <a:rPr lang="en-US" dirty="0" smtClean="0"/>
-              <a:t> </a:t>
-            </a:r>
-            <a:r>
-              <a:rPr lang="en-US" dirty="0" smtClean="0"/>
-              <a:t>13W.</a:t>
+              <a:t> 13W.</a:t>
             </a:r>
             <a:fld id="{8B2956E7-9AEE-4C6B-8C9B-08350367CE49}" type="slidenum">
               <a:rPr lang="en-US" smtClean="0"/>
@@ -4066,11 +4042,7 @@
             </a:r>
             <a:r>
               <a:rPr lang="en-US" dirty="0" smtClean="0"/>
-              <a:t> </a:t>
-            </a:r>
-            <a:r>
-              <a:rPr lang="en-US" dirty="0" smtClean="0"/>
-              <a:t>13W.</a:t>
+              <a:t> 13W.</a:t>
             </a:r>
             <a:fld id="{4D4FE4C5-9DCA-4C40-8A94-526407169002}" type="slidenum">
               <a:rPr lang="en-US" smtClean="0"/>
@@ -4283,7 +4255,7 @@
           <a:graphicData uri="http://schemas.openxmlformats.org/presentationml/2006/ole">
             <mc:AlternateContent xmlns:mc="http://schemas.openxmlformats.org/markup-compatibility/2006">
               <mc:Choice xmlns:v="urn:schemas-microsoft-com:vml" Requires="v">
-                <p:oleObj spid="_x0000_s493605" name="Equation" r:id="rId4" imgW="2032000" imgH="596900" progId="Equation.DSMT4">
+                <p:oleObj spid="_x0000_s493609" name="Equation" r:id="rId4" imgW="2032000" imgH="596900" progId="Equation.DSMT4">
                   <p:embed/>
                 </p:oleObj>
               </mc:Choice>
@@ -4397,11 +4369,7 @@
             </a:r>
             <a:r>
               <a:rPr lang="en-US" dirty="0" smtClean="0"/>
-              <a:t> </a:t>
-            </a:r>
-            <a:r>
-              <a:rPr lang="en-US" dirty="0" smtClean="0"/>
-              <a:t>13W.</a:t>
+              <a:t> 13W.</a:t>
             </a:r>
             <a:fld id="{AB032E80-4924-4C32-A61E-EE294C645BF5}" type="slidenum">
               <a:rPr lang="en-US" smtClean="0"/>
@@ -4430,7 +4398,7 @@
           <a:graphicData uri="http://schemas.openxmlformats.org/presentationml/2006/ole">
             <mc:AlternateContent xmlns:mc="http://schemas.openxmlformats.org/markup-compatibility/2006">
               <mc:Choice xmlns:v="urn:schemas-microsoft-com:vml" Requires="v">
-                <p:oleObj spid="_x0000_s493606" name="Equation" r:id="rId6" imgW="1168400" imgH="596900" progId="Equation.DSMT4">
+                <p:oleObj spid="_x0000_s493610" name="Equation" r:id="rId6" imgW="1168400" imgH="596900" progId="Equation.DSMT4">
                   <p:embed/>
                 </p:oleObj>
               </mc:Choice>
@@ -4499,7 +4467,7 @@
           <a:graphicData uri="http://schemas.openxmlformats.org/presentationml/2006/ole">
             <mc:AlternateContent xmlns:mc="http://schemas.openxmlformats.org/markup-compatibility/2006">
               <mc:Choice xmlns:v="urn:schemas-microsoft-com:vml" Requires="v">
-                <p:oleObj spid="_x0000_s493607" name="Equation" r:id="rId8" imgW="1663700" imgH="355600" progId="Equation.DSMT4">
+                <p:oleObj spid="_x0000_s493611" name="Equation" r:id="rId8" imgW="1663700" imgH="355600" progId="Equation.DSMT4">
                   <p:embed/>
                 </p:oleObj>
               </mc:Choice>
@@ -4687,11 +4655,7 @@
             </a:r>
             <a:r>
               <a:rPr lang="en-US" dirty="0" smtClean="0"/>
-              <a:t> </a:t>
-            </a:r>
-            <a:r>
-              <a:rPr lang="en-US" dirty="0" smtClean="0"/>
-              <a:t>13W.</a:t>
+              <a:t> 13W.</a:t>
             </a:r>
             <a:fld id="{96B5C7C7-3FC0-4B55-9934-A080551106BF}" type="slidenum">
               <a:rPr lang="en-US" smtClean="0"/>
@@ -5650,11 +5614,7 @@
             </a:r>
             <a:r>
               <a:rPr lang="en-US" dirty="0" smtClean="0"/>
-              <a:t> </a:t>
-            </a:r>
-            <a:r>
-              <a:rPr lang="en-US" dirty="0" smtClean="0"/>
-              <a:t>13W.</a:t>
+              <a:t> 13W.</a:t>
             </a:r>
             <a:fld id="{B6100CB1-975D-41F5-9A6C-8F34E133D00A}" type="slidenum">
               <a:rPr lang="en-US" smtClean="0"/>
@@ -6035,11 +5995,7 @@
             </a:r>
             <a:r>
               <a:rPr lang="en-US" dirty="0" smtClean="0"/>
-              <a:t> </a:t>
-            </a:r>
-            <a:r>
-              <a:rPr lang="en-US" dirty="0" smtClean="0"/>
-              <a:t>13W.</a:t>
+              <a:t> 13W.</a:t>
             </a:r>
             <a:fld id="{4A7F8015-3123-4EEE-BF99-E293B8DB1805}" type="slidenum">
               <a:rPr lang="en-US" smtClean="0"/>
@@ -6613,11 +6569,7 @@
             </a:r>
             <a:r>
               <a:rPr lang="en-US" dirty="0" smtClean="0"/>
-              <a:t> </a:t>
-            </a:r>
-            <a:r>
-              <a:rPr lang="en-US" dirty="0" smtClean="0"/>
-              <a:t>13W.</a:t>
+              <a:t> 13W.</a:t>
             </a:r>
             <a:fld id="{8372F5CC-0D0C-42AC-A06F-FCD924AC2FB1}" type="slidenum">
               <a:rPr lang="en-US" smtClean="0"/>
@@ -6865,11 +6817,7 @@
             </a:r>
             <a:r>
               <a:rPr lang="en-US" dirty="0" smtClean="0"/>
-              <a:t> </a:t>
-            </a:r>
-            <a:r>
-              <a:rPr lang="en-US" dirty="0" smtClean="0"/>
-              <a:t>13W.</a:t>
+              <a:t> 13W.</a:t>
             </a:r>
             <a:fld id="{8372F5CC-0D0C-42AC-A06F-FCD924AC2FB1}" type="slidenum">
               <a:rPr lang="en-US" smtClean="0"/>
@@ -7133,11 +7081,7 @@
             </a:r>
             <a:r>
               <a:rPr lang="en-US" dirty="0" smtClean="0"/>
-              <a:t> </a:t>
-            </a:r>
-            <a:r>
-              <a:rPr lang="en-US" dirty="0" smtClean="0"/>
-              <a:t>13W.</a:t>
+              <a:t> 13W.</a:t>
             </a:r>
             <a:fld id="{FE75FCEF-2C00-453D-8F19-57E1BCE16A7F}" type="slidenum">
               <a:rPr lang="en-US" smtClean="0"/>
@@ -7388,8 +7332,9 @@
           <a:noFill/>
           <a:ln w="38100" algn="ctr">
             <a:solidFill>
-              <a:srgbClr val="0006FE"/>
+              <a:srgbClr val="FF33CC"/>
             </a:solidFill>
+            <a:prstDash val="sysDash"/>
             <a:round/>
             <a:headEnd/>
             <a:tailEnd/>
@@ -7808,11 +7753,7 @@
             </a:r>
             <a:r>
               <a:rPr lang="en-US" dirty="0" smtClean="0"/>
-              <a:t> </a:t>
-            </a:r>
-            <a:r>
-              <a:rPr lang="en-US" dirty="0" smtClean="0"/>
-              <a:t>13W.</a:t>
+              <a:t> 13W.</a:t>
             </a:r>
             <a:fld id="{E78F4000-603A-43A9-9772-EA15786EFD2C}" type="slidenum">
               <a:rPr lang="en-US" smtClean="0"/>
@@ -8469,7 +8410,7 @@
           <a:graphicData uri="http://schemas.openxmlformats.org/presentationml/2006/ole">
             <mc:AlternateContent xmlns:mc="http://schemas.openxmlformats.org/markup-compatibility/2006">
               <mc:Choice xmlns:v="urn:schemas-microsoft-com:vml" Requires="v">
-                <p:oleObj spid="_x0000_s489528" name="Equation" r:id="rId5" imgW="1816100" imgH="330200" progId="Equation.DSMT4">
+                <p:oleObj spid="_x0000_s489531" name="Equation" r:id="rId5" imgW="1816100" imgH="330200" progId="Equation.DSMT4">
                   <p:embed/>
                 </p:oleObj>
               </mc:Choice>
@@ -8539,7 +8480,7 @@
           <a:graphicData uri="http://schemas.openxmlformats.org/presentationml/2006/ole">
             <mc:AlternateContent xmlns:mc="http://schemas.openxmlformats.org/markup-compatibility/2006">
               <mc:Choice xmlns:v="urn:schemas-microsoft-com:vml" Requires="v">
-                <p:oleObj spid="_x0000_s489529" name="Equation" r:id="rId7" imgW="1714500" imgH="596900" progId="Equation.DSMT4">
+                <p:oleObj spid="_x0000_s489532" name="Equation" r:id="rId7" imgW="1714500" imgH="596900" progId="Equation.DSMT4">
                   <p:embed/>
                 </p:oleObj>
               </mc:Choice>
@@ -8622,11 +8563,7 @@
             </a:r>
             <a:r>
               <a:rPr lang="en-US" dirty="0" smtClean="0"/>
-              <a:t> </a:t>
-            </a:r>
-            <a:r>
-              <a:rPr lang="en-US" dirty="0" smtClean="0"/>
-              <a:t>13W.</a:t>
+              <a:t> 13W.</a:t>
             </a:r>
             <a:fld id="{46D21BB0-6D03-4034-A4DE-775A83495C78}" type="slidenum">
               <a:rPr lang="en-US" smtClean="0"/>
@@ -9082,11 +9019,7 @@
             </a:r>
             <a:r>
               <a:rPr lang="en-US" dirty="0" smtClean="0"/>
-              <a:t> </a:t>
-            </a:r>
-            <a:r>
-              <a:rPr lang="en-US" dirty="0" smtClean="0"/>
-              <a:t>13W.</a:t>
+              <a:t> 13W.</a:t>
             </a:r>
             <a:fld id="{C54485E2-983F-4808-AAAD-1595DDE4A774}" type="slidenum">
               <a:rPr lang="en-US" smtClean="0"/>
@@ -9684,11 +9617,7 @@
             </a:r>
             <a:r>
               <a:rPr lang="en-US" dirty="0" smtClean="0"/>
-              <a:t> </a:t>
-            </a:r>
-            <a:r>
-              <a:rPr lang="en-US" dirty="0" smtClean="0"/>
-              <a:t>13W.</a:t>
+              <a:t> 13W.</a:t>
             </a:r>
             <a:fld id="{46D21BB0-6D03-4034-A4DE-775A83495C78}" type="slidenum">
               <a:rPr lang="en-US" smtClean="0"/>
@@ -9875,11 +9804,7 @@
             </a:r>
             <a:r>
               <a:rPr lang="en-US" dirty="0" smtClean="0"/>
-              <a:t> </a:t>
-            </a:r>
-            <a:r>
-              <a:rPr lang="en-US" dirty="0" smtClean="0"/>
-              <a:t>13W.</a:t>
+              <a:t> 13W.</a:t>
             </a:r>
             <a:fld id="{46D21BB0-6D03-4034-A4DE-775A83495C78}" type="slidenum">
               <a:rPr lang="en-US" smtClean="0"/>
@@ -10325,11 +10250,7 @@
             </a:r>
             <a:r>
               <a:rPr lang="en-US" dirty="0" smtClean="0"/>
-              <a:t> </a:t>
-            </a:r>
-            <a:r>
-              <a:rPr lang="en-US" dirty="0" smtClean="0"/>
-              <a:t>13W.</a:t>
+              <a:t> 13W.</a:t>
             </a:r>
             <a:fld id="{46D21BB0-6D03-4034-A4DE-775A83495C78}" type="slidenum">
               <a:rPr lang="en-US" smtClean="0"/>
@@ -10610,11 +10531,7 @@
             </a:r>
             <a:r>
               <a:rPr lang="en-US" dirty="0" smtClean="0"/>
-              <a:t> </a:t>
-            </a:r>
-            <a:r>
-              <a:rPr lang="en-US" dirty="0" smtClean="0"/>
-              <a:t>13W.</a:t>
+              <a:t> 13W.</a:t>
             </a:r>
             <a:fld id="{23578D71-BE5D-4BBF-9B59-FB73E190AF0C}" type="slidenum">
               <a:rPr lang="en-US" smtClean="0"/>
@@ -10979,6 +10896,9 @@
                     <p:cTn id="3" fill="hold">
                       <p:stCondLst>
                         <p:cond delay="indefinite"/>
+                        <p:cond evt="onBegin" delay="0">
+                          <p:tn val="2"/>
+                        </p:cond>
                       </p:stCondLst>
                       <p:childTnLst>
                         <p:par>
@@ -10988,7 +10908,7 @@
                             </p:stCondLst>
                             <p:childTnLst>
                               <p:par>
-                                <p:cTn id="5" presetID="9" presetClass="entr" presetSubtype="0" fill="hold" nodeType="clickEffect">
+                                <p:cTn id="5" presetID="9" presetClass="entr" presetSubtype="0" fill="hold" nodeType="afterEffect">
                                   <p:stCondLst>
                                     <p:cond delay="0"/>
                                   </p:stCondLst>
@@ -11326,7 +11246,7 @@
           <a:graphicData uri="http://schemas.openxmlformats.org/presentationml/2006/ole">
             <mc:AlternateContent xmlns:mc="http://schemas.openxmlformats.org/markup-compatibility/2006">
               <mc:Choice xmlns:v="urn:schemas-microsoft-com:vml" Requires="v">
-                <p:oleObj spid="_x0000_s426098" name="Equation" r:id="rId4" imgW="1854200" imgH="596900" progId="Equation.DSMT4">
+                <p:oleObj spid="_x0000_s426102" name="Equation" r:id="rId4" imgW="1854200" imgH="596900" progId="Equation.DSMT4">
                   <p:embed/>
                 </p:oleObj>
               </mc:Choice>
@@ -11402,7 +11322,7 @@
           <a:graphicData uri="http://schemas.openxmlformats.org/presentationml/2006/ole">
             <mc:AlternateContent xmlns:mc="http://schemas.openxmlformats.org/markup-compatibility/2006">
               <mc:Choice xmlns:v="urn:schemas-microsoft-com:vml" Requires="v">
-                <p:oleObj spid="_x0000_s426099" name="Equation" r:id="rId6" imgW="2032000" imgH="596900" progId="Equation.DSMT4">
+                <p:oleObj spid="_x0000_s426103" name="Equation" r:id="rId6" imgW="2032000" imgH="596900" progId="Equation.DSMT4">
                   <p:embed/>
                 </p:oleObj>
               </mc:Choice>
@@ -11496,7 +11416,7 @@
           <a:graphicData uri="http://schemas.openxmlformats.org/presentationml/2006/ole">
             <mc:AlternateContent xmlns:mc="http://schemas.openxmlformats.org/markup-compatibility/2006">
               <mc:Choice xmlns:v="urn:schemas-microsoft-com:vml" Requires="v">
-                <p:oleObj spid="_x0000_s426100" name="Equation" r:id="rId8" imgW="1879600" imgH="215900" progId="Equation.DSMT4">
+                <p:oleObj spid="_x0000_s426104" name="Equation" r:id="rId8" imgW="1879600" imgH="215900" progId="Equation.DSMT4">
                   <p:embed/>
                 </p:oleObj>
               </mc:Choice>
@@ -11579,11 +11499,7 @@
             </a:r>
             <a:r>
               <a:rPr lang="en-US" dirty="0" smtClean="0"/>
-              <a:t> </a:t>
-            </a:r>
-            <a:r>
-              <a:rPr lang="en-US" dirty="0" smtClean="0"/>
-              <a:t>13W.</a:t>
+              <a:t> 13W.</a:t>
             </a:r>
             <a:fld id="{AB032E80-4924-4C32-A61E-EE294C645BF5}" type="slidenum">
               <a:rPr lang="en-US" smtClean="0"/>
@@ -12014,11 +11930,7 @@
             </a:r>
             <a:r>
               <a:rPr lang="en-US" dirty="0" smtClean="0"/>
-              <a:t> </a:t>
-            </a:r>
-            <a:r>
-              <a:rPr lang="en-US" dirty="0" smtClean="0"/>
-              <a:t>13W.</a:t>
+              <a:t> 13W.</a:t>
             </a:r>
             <a:fld id="{AB032E80-4924-4C32-A61E-EE294C645BF5}" type="slidenum">
               <a:rPr lang="en-US" smtClean="0"/>
@@ -12143,7 +12055,7 @@
           <a:graphicData uri="http://schemas.openxmlformats.org/presentationml/2006/ole">
             <mc:AlternateContent xmlns:mc="http://schemas.openxmlformats.org/markup-compatibility/2006">
               <mc:Choice xmlns:v="urn:schemas-microsoft-com:vml" Requires="v">
-                <p:oleObj spid="_x0000_s438401" name="Equation" r:id="rId4" imgW="2057400" imgH="596900" progId="Equation.DSMT4">
+                <p:oleObj spid="_x0000_s438405" name="Equation" r:id="rId4" imgW="2057400" imgH="596900" progId="Equation.DSMT4">
                   <p:embed/>
                 </p:oleObj>
               </mc:Choice>
@@ -12219,7 +12131,7 @@
           <a:graphicData uri="http://schemas.openxmlformats.org/presentationml/2006/ole">
             <mc:AlternateContent xmlns:mc="http://schemas.openxmlformats.org/markup-compatibility/2006">
               <mc:Choice xmlns:v="urn:schemas-microsoft-com:vml" Requires="v">
-                <p:oleObj spid="_x0000_s438402" name="Equation" r:id="rId6" imgW="889000" imgH="469900" progId="Equation.DSMT4">
+                <p:oleObj spid="_x0000_s438406" name="Equation" r:id="rId6" imgW="889000" imgH="469900" progId="Equation.DSMT4">
                   <p:embed/>
                 </p:oleObj>
               </mc:Choice>
@@ -12289,7 +12201,7 @@
           <a:graphicData uri="http://schemas.openxmlformats.org/presentationml/2006/ole">
             <mc:AlternateContent xmlns:mc="http://schemas.openxmlformats.org/markup-compatibility/2006">
               <mc:Choice xmlns:v="urn:schemas-microsoft-com:vml" Requires="v">
-                <p:oleObj spid="_x0000_s438403" name="Equation" r:id="rId8" imgW="1879600" imgH="215900" progId="Equation.DSMT4">
+                <p:oleObj spid="_x0000_s438407" name="Equation" r:id="rId8" imgW="1879600" imgH="215900" progId="Equation.DSMT4">
                   <p:embed/>
                 </p:oleObj>
               </mc:Choice>

--- a/spring12/slidesS12/sampling.pptx
+++ b/spring12/slidesS12/sampling.pptx
@@ -4255,7 +4255,7 @@
           <a:graphicData uri="http://schemas.openxmlformats.org/presentationml/2006/ole">
             <mc:AlternateContent xmlns:mc="http://schemas.openxmlformats.org/markup-compatibility/2006">
               <mc:Choice xmlns:v="urn:schemas-microsoft-com:vml" Requires="v">
-                <p:oleObj spid="_x0000_s493609" name="Equation" r:id="rId4" imgW="2032000" imgH="596900" progId="Equation.DSMT4">
+                <p:oleObj spid="_x0000_s493616" name="Equation" r:id="rId4" imgW="2032000" imgH="596900" progId="Equation.DSMT4">
                   <p:embed/>
                 </p:oleObj>
               </mc:Choice>
@@ -4398,7 +4398,7 @@
           <a:graphicData uri="http://schemas.openxmlformats.org/presentationml/2006/ole">
             <mc:AlternateContent xmlns:mc="http://schemas.openxmlformats.org/markup-compatibility/2006">
               <mc:Choice xmlns:v="urn:schemas-microsoft-com:vml" Requires="v">
-                <p:oleObj spid="_x0000_s493610" name="Equation" r:id="rId6" imgW="1168400" imgH="596900" progId="Equation.DSMT4">
+                <p:oleObj spid="_x0000_s493617" name="Equation" r:id="rId6" imgW="1168400" imgH="596900" progId="Equation.DSMT4">
                   <p:embed/>
                 </p:oleObj>
               </mc:Choice>
@@ -4467,7 +4467,7 @@
           <a:graphicData uri="http://schemas.openxmlformats.org/presentationml/2006/ole">
             <mc:AlternateContent xmlns:mc="http://schemas.openxmlformats.org/markup-compatibility/2006">
               <mc:Choice xmlns:v="urn:schemas-microsoft-com:vml" Requires="v">
-                <p:oleObj spid="_x0000_s493611" name="Equation" r:id="rId8" imgW="1663700" imgH="355600" progId="Equation.DSMT4">
+                <p:oleObj spid="_x0000_s493618" name="Equation" r:id="rId8" imgW="1663700" imgH="355600" progId="Equation.DSMT4">
                   <p:embed/>
                 </p:oleObj>
               </mc:Choice>
@@ -8410,7 +8410,7 @@
           <a:graphicData uri="http://schemas.openxmlformats.org/presentationml/2006/ole">
             <mc:AlternateContent xmlns:mc="http://schemas.openxmlformats.org/markup-compatibility/2006">
               <mc:Choice xmlns:v="urn:schemas-microsoft-com:vml" Requires="v">
-                <p:oleObj spid="_x0000_s489531" name="Equation" r:id="rId5" imgW="1816100" imgH="330200" progId="Equation.DSMT4">
+                <p:oleObj spid="_x0000_s489536" name="Equation" r:id="rId5" imgW="1816100" imgH="330200" progId="Equation.DSMT4">
                   <p:embed/>
                 </p:oleObj>
               </mc:Choice>
@@ -8480,7 +8480,7 @@
           <a:graphicData uri="http://schemas.openxmlformats.org/presentationml/2006/ole">
             <mc:AlternateContent xmlns:mc="http://schemas.openxmlformats.org/markup-compatibility/2006">
               <mc:Choice xmlns:v="urn:schemas-microsoft-com:vml" Requires="v">
-                <p:oleObj spid="_x0000_s489532" name="Equation" r:id="rId7" imgW="1714500" imgH="596900" progId="Equation.DSMT4">
+                <p:oleObj spid="_x0000_s489537" name="Equation" r:id="rId7" imgW="1714500" imgH="596900" progId="Equation.DSMT4">
                   <p:embed/>
                 </p:oleObj>
               </mc:Choice>
@@ -11246,7 +11246,7 @@
           <a:graphicData uri="http://schemas.openxmlformats.org/presentationml/2006/ole">
             <mc:AlternateContent xmlns:mc="http://schemas.openxmlformats.org/markup-compatibility/2006">
               <mc:Choice xmlns:v="urn:schemas-microsoft-com:vml" Requires="v">
-                <p:oleObj spid="_x0000_s426102" name="Equation" r:id="rId4" imgW="1854200" imgH="596900" progId="Equation.DSMT4">
+                <p:oleObj spid="_x0000_s426109" name="Equation" r:id="rId4" imgW="1854200" imgH="596900" progId="Equation.DSMT4">
                   <p:embed/>
                 </p:oleObj>
               </mc:Choice>
@@ -11322,7 +11322,7 @@
           <a:graphicData uri="http://schemas.openxmlformats.org/presentationml/2006/ole">
             <mc:AlternateContent xmlns:mc="http://schemas.openxmlformats.org/markup-compatibility/2006">
               <mc:Choice xmlns:v="urn:schemas-microsoft-com:vml" Requires="v">
-                <p:oleObj spid="_x0000_s426103" name="Equation" r:id="rId6" imgW="2032000" imgH="596900" progId="Equation.DSMT4">
+                <p:oleObj spid="_x0000_s426110" name="Equation" r:id="rId6" imgW="2032000" imgH="596900" progId="Equation.DSMT4">
                   <p:embed/>
                 </p:oleObj>
               </mc:Choice>
@@ -11416,7 +11416,7 @@
           <a:graphicData uri="http://schemas.openxmlformats.org/presentationml/2006/ole">
             <mc:AlternateContent xmlns:mc="http://schemas.openxmlformats.org/markup-compatibility/2006">
               <mc:Choice xmlns:v="urn:schemas-microsoft-com:vml" Requires="v">
-                <p:oleObj spid="_x0000_s426104" name="Equation" r:id="rId8" imgW="1879600" imgH="215900" progId="Equation.DSMT4">
+                <p:oleObj spid="_x0000_s426111" name="Equation" r:id="rId8" imgW="1879600" imgH="215900" progId="Equation.DSMT4">
                   <p:embed/>
                 </p:oleObj>
               </mc:Choice>
@@ -12055,7 +12055,7 @@
           <a:graphicData uri="http://schemas.openxmlformats.org/presentationml/2006/ole">
             <mc:AlternateContent xmlns:mc="http://schemas.openxmlformats.org/markup-compatibility/2006">
               <mc:Choice xmlns:v="urn:schemas-microsoft-com:vml" Requires="v">
-                <p:oleObj spid="_x0000_s438405" name="Equation" r:id="rId4" imgW="2057400" imgH="596900" progId="Equation.DSMT4">
+                <p:oleObj spid="_x0000_s438412" name="Equation" r:id="rId4" imgW="2057400" imgH="596900" progId="Equation.DSMT4">
                   <p:embed/>
                 </p:oleObj>
               </mc:Choice>
@@ -12131,7 +12131,7 @@
           <a:graphicData uri="http://schemas.openxmlformats.org/presentationml/2006/ole">
             <mc:AlternateContent xmlns:mc="http://schemas.openxmlformats.org/markup-compatibility/2006">
               <mc:Choice xmlns:v="urn:schemas-microsoft-com:vml" Requires="v">
-                <p:oleObj spid="_x0000_s438406" name="Equation" r:id="rId6" imgW="889000" imgH="469900" progId="Equation.DSMT4">
+                <p:oleObj spid="_x0000_s438413" name="Equation" r:id="rId6" imgW="889000" imgH="469900" progId="Equation.DSMT4">
                   <p:embed/>
                 </p:oleObj>
               </mc:Choice>
@@ -12201,7 +12201,7 @@
           <a:graphicData uri="http://schemas.openxmlformats.org/presentationml/2006/ole">
             <mc:AlternateContent xmlns:mc="http://schemas.openxmlformats.org/markup-compatibility/2006">
               <mc:Choice xmlns:v="urn:schemas-microsoft-com:vml" Requires="v">
-                <p:oleObj spid="_x0000_s438407" name="Equation" r:id="rId8" imgW="1879600" imgH="215900" progId="Equation.DSMT4">
+                <p:oleObj spid="_x0000_s438414" name="Equation" r:id="rId8" imgW="1879600" imgH="215900" progId="Equation.DSMT4">
                   <p:embed/>
                 </p:oleObj>
               </mc:Choice>
